--- a/private/Presentation_AT2.pptx
+++ b/private/Presentation_AT2.pptx
@@ -2,23 +2,23 @@
 <file path=ppt/presentation.xml><?xml version="1.0" encoding="utf-8"?>
 <p:presentation xmlns:a="http://schemas.openxmlformats.org/drawingml/2006/main" xmlns:r="http://schemas.openxmlformats.org/officeDocument/2006/relationships" xmlns:p="http://schemas.openxmlformats.org/presentationml/2006/main" showSpecialPlsOnTitleSld="0" saveSubsetFonts="1" autoCompressPictures="0">
   <p:sldMasterIdLst>
-    <p:sldMasterId id="2147483660" r:id="rId1"/>
+    <p:sldMasterId id="2147483660" r:id="rId4"/>
   </p:sldMasterIdLst>
   <p:notesMasterIdLst>
-    <p:notesMasterId r:id="rId10"/>
+    <p:notesMasterId r:id="rId13"/>
   </p:notesMasterIdLst>
   <p:handoutMasterIdLst>
-    <p:handoutMasterId r:id="rId11"/>
+    <p:handoutMasterId r:id="rId14"/>
   </p:handoutMasterIdLst>
   <p:sldIdLst>
-    <p:sldId id="273" r:id="rId2"/>
-    <p:sldId id="274" r:id="rId3"/>
-    <p:sldId id="267" r:id="rId4"/>
-    <p:sldId id="258" r:id="rId5"/>
-    <p:sldId id="260" r:id="rId6"/>
-    <p:sldId id="276" r:id="rId7"/>
-    <p:sldId id="277" r:id="rId8"/>
-    <p:sldId id="275" r:id="rId9"/>
+    <p:sldId id="273" r:id="rId5"/>
+    <p:sldId id="274" r:id="rId6"/>
+    <p:sldId id="267" r:id="rId7"/>
+    <p:sldId id="258" r:id="rId8"/>
+    <p:sldId id="260" r:id="rId9"/>
+    <p:sldId id="276" r:id="rId10"/>
+    <p:sldId id="277" r:id="rId11"/>
+    <p:sldId id="275" r:id="rId12"/>
   </p:sldIdLst>
   <p:sldSz cx="12188825" cy="6858000"/>
   <p:notesSz cx="6858000" cy="9144000"/>
@@ -806,7 +806,7 @@
             <a:pPr rtl="0"/>
             <a:fld id="{8A761C43-90B0-443C-86EC-3C0DD5DA01AA}" type="datetime1">
               <a:rPr lang="fr-FR" smtClean="0"/>
-              <a:t>31/03/2025</a:t>
+              <a:t>21/05/2025</a:t>
             </a:fld>
             <a:endParaRPr lang="fr-FR"/>
           </a:p>
@@ -984,7 +984,7 @@
             <a:pPr rtl="0"/>
             <a:fld id="{F69C82B5-293F-43D8-BDBA-2AB8C5A97E24}" type="datetime1">
               <a:rPr lang="fr-FR" noProof="0" smtClean="0"/>
-              <a:t>31/03/2025</a:t>
+              <a:t>21/05/2025</a:t>
             </a:fld>
             <a:endParaRPr lang="fr-FR" noProof="0"/>
           </a:p>
@@ -1908,7 +1908,7 @@
           <a:noFill/>
           <a:extLst>
             <a:ext uri="{909E8E84-426E-40dd-AFC4-6F175D3DCCD1}">
-              <a14:hiddenFill xmlns="" xmlns:a14="http://schemas.microsoft.com/office/drawing/2010/main">
+              <a14:hiddenFill xmlns:a14="http://schemas.microsoft.com/office/drawing/2010/main" xmlns="">
                 <a:solidFill>
                   <a:srgbClr val="FFFFFF"/>
                 </a:solidFill>
@@ -1968,7 +1968,7 @@
             </a:ln>
             <a:extLst>
               <a:ext uri="{91240B29-F687-4f45-9708-019B960494DF}">
-                <a14:hiddenLine xmlns="" xmlns:a14="http://schemas.microsoft.com/office/drawing/2010/main" w="9525">
+                <a14:hiddenLine xmlns:a14="http://schemas.microsoft.com/office/drawing/2010/main" xmlns="" w="9525">
                   <a:solidFill>
                     <a:srgbClr val="000000"/>
                   </a:solidFill>
@@ -2058,7 +2058,7 @@
             </a:ln>
             <a:extLst>
               <a:ext uri="{91240B29-F687-4f45-9708-019B960494DF}">
-                <a14:hiddenLine xmlns="" xmlns:a14="http://schemas.microsoft.com/office/drawing/2010/main" w="9525">
+                <a14:hiddenLine xmlns:a14="http://schemas.microsoft.com/office/drawing/2010/main" xmlns="" w="9525">
                   <a:solidFill>
                     <a:srgbClr val="000000"/>
                   </a:solidFill>
@@ -2148,7 +2148,7 @@
             </a:ln>
             <a:extLst>
               <a:ext uri="{91240B29-F687-4f45-9708-019B960494DF}">
-                <a14:hiddenLine xmlns="" xmlns:a14="http://schemas.microsoft.com/office/drawing/2010/main" w="9525">
+                <a14:hiddenLine xmlns:a14="http://schemas.microsoft.com/office/drawing/2010/main" xmlns="" w="9525">
                   <a:solidFill>
                     <a:srgbClr val="000000"/>
                   </a:solidFill>
@@ -2182,7 +2182,7 @@
             </a:ln>
             <a:extLst>
               <a:ext uri="{91240B29-F687-4f45-9708-019B960494DF}">
-                <a14:hiddenLine xmlns="" xmlns:a14="http://schemas.microsoft.com/office/drawing/2010/main" w="9525">
+                <a14:hiddenLine xmlns:a14="http://schemas.microsoft.com/office/drawing/2010/main" xmlns="" w="9525">
                   <a:solidFill>
                     <a:srgbClr val="000000"/>
                   </a:solidFill>
@@ -2272,7 +2272,7 @@
             </a:ln>
             <a:extLst>
               <a:ext uri="{91240B29-F687-4f45-9708-019B960494DF}">
-                <a14:hiddenLine xmlns="" xmlns:a14="http://schemas.microsoft.com/office/drawing/2010/main" w="9525">
+                <a14:hiddenLine xmlns:a14="http://schemas.microsoft.com/office/drawing/2010/main" xmlns="" w="9525">
                   <a:solidFill>
                     <a:srgbClr val="000000"/>
                   </a:solidFill>
@@ -2334,7 +2334,7 @@
             </a:ln>
             <a:extLst>
               <a:ext uri="{91240B29-F687-4f45-9708-019B960494DF}">
-                <a14:hiddenLine xmlns="" xmlns:a14="http://schemas.microsoft.com/office/drawing/2010/main" w="9525">
+                <a14:hiddenLine xmlns:a14="http://schemas.microsoft.com/office/drawing/2010/main" xmlns="" w="9525">
                   <a:solidFill>
                     <a:srgbClr val="000000"/>
                   </a:solidFill>
@@ -2396,7 +2396,7 @@
             </a:ln>
             <a:extLst>
               <a:ext uri="{91240B29-F687-4f45-9708-019B960494DF}">
-                <a14:hiddenLine xmlns="" xmlns:a14="http://schemas.microsoft.com/office/drawing/2010/main" w="9525">
+                <a14:hiddenLine xmlns:a14="http://schemas.microsoft.com/office/drawing/2010/main" xmlns="" w="9525">
                   <a:solidFill>
                     <a:srgbClr val="000000"/>
                   </a:solidFill>
@@ -2486,7 +2486,7 @@
             </a:ln>
             <a:extLst>
               <a:ext uri="{91240B29-F687-4f45-9708-019B960494DF}">
-                <a14:hiddenLine xmlns="" xmlns:a14="http://schemas.microsoft.com/office/drawing/2010/main" w="9525">
+                <a14:hiddenLine xmlns:a14="http://schemas.microsoft.com/office/drawing/2010/main" xmlns="" w="9525">
                   <a:solidFill>
                     <a:srgbClr val="000000"/>
                   </a:solidFill>
@@ -2548,7 +2548,7 @@
             </a:ln>
             <a:extLst>
               <a:ext uri="{91240B29-F687-4f45-9708-019B960494DF}">
-                <a14:hiddenLine xmlns="" xmlns:a14="http://schemas.microsoft.com/office/drawing/2010/main" w="9525">
+                <a14:hiddenLine xmlns:a14="http://schemas.microsoft.com/office/drawing/2010/main" xmlns="" w="9525">
                   <a:solidFill>
                     <a:srgbClr val="000000"/>
                   </a:solidFill>
@@ -2610,7 +2610,7 @@
             </a:ln>
             <a:extLst>
               <a:ext uri="{91240B29-F687-4f45-9708-019B960494DF}">
-                <a14:hiddenLine xmlns="" xmlns:a14="http://schemas.microsoft.com/office/drawing/2010/main" w="9525">
+                <a14:hiddenLine xmlns:a14="http://schemas.microsoft.com/office/drawing/2010/main" xmlns="" w="9525">
                   <a:solidFill>
                     <a:srgbClr val="000000"/>
                   </a:solidFill>
@@ -2700,7 +2700,7 @@
             </a:ln>
             <a:extLst>
               <a:ext uri="{91240B29-F687-4f45-9708-019B960494DF}">
-                <a14:hiddenLine xmlns="" xmlns:a14="http://schemas.microsoft.com/office/drawing/2010/main" w="9525">
+                <a14:hiddenLine xmlns:a14="http://schemas.microsoft.com/office/drawing/2010/main" xmlns="" w="9525">
                   <a:solidFill>
                     <a:srgbClr val="000000"/>
                   </a:solidFill>
@@ -2790,7 +2790,7 @@
             </a:ln>
             <a:extLst>
               <a:ext uri="{91240B29-F687-4f45-9708-019B960494DF}">
-                <a14:hiddenLine xmlns="" xmlns:a14="http://schemas.microsoft.com/office/drawing/2010/main" w="9525">
+                <a14:hiddenLine xmlns:a14="http://schemas.microsoft.com/office/drawing/2010/main" xmlns="" w="9525">
                   <a:solidFill>
                     <a:srgbClr val="000000"/>
                   </a:solidFill>
@@ -2852,7 +2852,7 @@
             </a:ln>
             <a:extLst>
               <a:ext uri="{91240B29-F687-4f45-9708-019B960494DF}">
-                <a14:hiddenLine xmlns="" xmlns:a14="http://schemas.microsoft.com/office/drawing/2010/main" w="9525">
+                <a14:hiddenLine xmlns:a14="http://schemas.microsoft.com/office/drawing/2010/main" xmlns="" w="9525">
                   <a:solidFill>
                     <a:srgbClr val="000000"/>
                   </a:solidFill>
@@ -2962,7 +2962,7 @@
             </a:ln>
             <a:extLst>
               <a:ext uri="{91240B29-F687-4f45-9708-019B960494DF}">
-                <a14:hiddenLine xmlns="" xmlns:a14="http://schemas.microsoft.com/office/drawing/2010/main" w="9525">
+                <a14:hiddenLine xmlns:a14="http://schemas.microsoft.com/office/drawing/2010/main" xmlns="" w="9525">
                   <a:solidFill>
                     <a:srgbClr val="000000"/>
                   </a:solidFill>
@@ -3024,7 +3024,7 @@
             </a:ln>
             <a:extLst>
               <a:ext uri="{91240B29-F687-4f45-9708-019B960494DF}">
-                <a14:hiddenLine xmlns="" xmlns:a14="http://schemas.microsoft.com/office/drawing/2010/main" w="9525">
+                <a14:hiddenLine xmlns:a14="http://schemas.microsoft.com/office/drawing/2010/main" xmlns="" w="9525">
                   <a:solidFill>
                     <a:srgbClr val="000000"/>
                   </a:solidFill>
@@ -3114,7 +3114,7 @@
             </a:ln>
             <a:extLst>
               <a:ext uri="{91240B29-F687-4f45-9708-019B960494DF}">
-                <a14:hiddenLine xmlns="" xmlns:a14="http://schemas.microsoft.com/office/drawing/2010/main" w="9525">
+                <a14:hiddenLine xmlns:a14="http://schemas.microsoft.com/office/drawing/2010/main" xmlns="" w="9525">
                   <a:solidFill>
                     <a:srgbClr val="000000"/>
                   </a:solidFill>
@@ -3204,7 +3204,7 @@
             </a:ln>
             <a:extLst>
               <a:ext uri="{91240B29-F687-4f45-9708-019B960494DF}">
-                <a14:hiddenLine xmlns="" xmlns:a14="http://schemas.microsoft.com/office/drawing/2010/main" w="9525">
+                <a14:hiddenLine xmlns:a14="http://schemas.microsoft.com/office/drawing/2010/main" xmlns="" w="9525">
                   <a:solidFill>
                     <a:srgbClr val="000000"/>
                   </a:solidFill>
@@ -3266,7 +3266,7 @@
             </a:ln>
             <a:extLst>
               <a:ext uri="{91240B29-F687-4f45-9708-019B960494DF}">
-                <a14:hiddenLine xmlns="" xmlns:a14="http://schemas.microsoft.com/office/drawing/2010/main" w="9525">
+                <a14:hiddenLine xmlns:a14="http://schemas.microsoft.com/office/drawing/2010/main" xmlns="" w="9525">
                   <a:solidFill>
                     <a:srgbClr val="000000"/>
                   </a:solidFill>
@@ -3356,7 +3356,7 @@
             </a:ln>
             <a:extLst>
               <a:ext uri="{91240B29-F687-4f45-9708-019B960494DF}">
-                <a14:hiddenLine xmlns="" xmlns:a14="http://schemas.microsoft.com/office/drawing/2010/main" w="9525">
+                <a14:hiddenLine xmlns:a14="http://schemas.microsoft.com/office/drawing/2010/main" xmlns="" w="9525">
                   <a:solidFill>
                     <a:srgbClr val="000000"/>
                   </a:solidFill>
@@ -3446,7 +3446,7 @@
             </a:ln>
             <a:extLst>
               <a:ext uri="{91240B29-F687-4f45-9708-019B960494DF}">
-                <a14:hiddenLine xmlns="" xmlns:a14="http://schemas.microsoft.com/office/drawing/2010/main" w="9525">
+                <a14:hiddenLine xmlns:a14="http://schemas.microsoft.com/office/drawing/2010/main" xmlns="" w="9525">
                   <a:solidFill>
                     <a:srgbClr val="000000"/>
                   </a:solidFill>
@@ -3502,7 +3502,7 @@
             </a:ln>
             <a:extLst>
               <a:ext uri="{91240B29-F687-4f45-9708-019B960494DF}">
-                <a14:hiddenLine xmlns="" xmlns:a14="http://schemas.microsoft.com/office/drawing/2010/main" w="9525">
+                <a14:hiddenLine xmlns:a14="http://schemas.microsoft.com/office/drawing/2010/main" xmlns="" w="9525">
                   <a:solidFill>
                     <a:srgbClr val="000000"/>
                   </a:solidFill>
@@ -3592,7 +3592,7 @@
             </a:ln>
             <a:extLst>
               <a:ext uri="{91240B29-F687-4f45-9708-019B960494DF}">
-                <a14:hiddenLine xmlns="" xmlns:a14="http://schemas.microsoft.com/office/drawing/2010/main" w="9525">
+                <a14:hiddenLine xmlns:a14="http://schemas.microsoft.com/office/drawing/2010/main" xmlns="" w="9525">
                   <a:solidFill>
                     <a:srgbClr val="000000"/>
                   </a:solidFill>
@@ -3648,7 +3648,7 @@
             </a:ln>
             <a:extLst>
               <a:ext uri="{91240B29-F687-4f45-9708-019B960494DF}">
-                <a14:hiddenLine xmlns="" xmlns:a14="http://schemas.microsoft.com/office/drawing/2010/main" w="9525">
+                <a14:hiddenLine xmlns:a14="http://schemas.microsoft.com/office/drawing/2010/main" xmlns="" w="9525">
                   <a:solidFill>
                     <a:srgbClr val="000000"/>
                   </a:solidFill>
@@ -3738,7 +3738,7 @@
             </a:ln>
             <a:extLst>
               <a:ext uri="{91240B29-F687-4f45-9708-019B960494DF}">
-                <a14:hiddenLine xmlns="" xmlns:a14="http://schemas.microsoft.com/office/drawing/2010/main" w="9525">
+                <a14:hiddenLine xmlns:a14="http://schemas.microsoft.com/office/drawing/2010/main" xmlns="" w="9525">
                   <a:solidFill>
                     <a:srgbClr val="000000"/>
                   </a:solidFill>
@@ -3806,7 +3806,7 @@
             </a:ln>
             <a:extLst>
               <a:ext uri="{91240B29-F687-4f45-9708-019B960494DF}">
-                <a14:hiddenLine xmlns="" xmlns:a14="http://schemas.microsoft.com/office/drawing/2010/main" w="9525">
+                <a14:hiddenLine xmlns:a14="http://schemas.microsoft.com/office/drawing/2010/main" xmlns="" w="9525">
                   <a:solidFill>
                     <a:srgbClr val="000000"/>
                   </a:solidFill>
@@ -3896,7 +3896,7 @@
             </a:ln>
             <a:extLst>
               <a:ext uri="{91240B29-F687-4f45-9708-019B960494DF}">
-                <a14:hiddenLine xmlns="" xmlns:a14="http://schemas.microsoft.com/office/drawing/2010/main" w="9525">
+                <a14:hiddenLine xmlns:a14="http://schemas.microsoft.com/office/drawing/2010/main" xmlns="" w="9525">
                   <a:solidFill>
                     <a:srgbClr val="000000"/>
                   </a:solidFill>
@@ -3964,7 +3964,7 @@
             </a:ln>
             <a:extLst>
               <a:ext uri="{91240B29-F687-4f45-9708-019B960494DF}">
-                <a14:hiddenLine xmlns="" xmlns:a14="http://schemas.microsoft.com/office/drawing/2010/main" w="9525">
+                <a14:hiddenLine xmlns:a14="http://schemas.microsoft.com/office/drawing/2010/main" xmlns="" w="9525">
                   <a:solidFill>
                     <a:srgbClr val="000000"/>
                   </a:solidFill>
@@ -4054,7 +4054,7 @@
             </a:ln>
             <a:extLst>
               <a:ext uri="{91240B29-F687-4f45-9708-019B960494DF}">
-                <a14:hiddenLine xmlns="" xmlns:a14="http://schemas.microsoft.com/office/drawing/2010/main" w="9525">
+                <a14:hiddenLine xmlns:a14="http://schemas.microsoft.com/office/drawing/2010/main" xmlns="" w="9525">
                   <a:solidFill>
                     <a:srgbClr val="000000"/>
                   </a:solidFill>
@@ -4088,7 +4088,7 @@
             </a:ln>
             <a:extLst>
               <a:ext uri="{91240B29-F687-4f45-9708-019B960494DF}">
-                <a14:hiddenLine xmlns="" xmlns:a14="http://schemas.microsoft.com/office/drawing/2010/main" w="9525">
+                <a14:hiddenLine xmlns:a14="http://schemas.microsoft.com/office/drawing/2010/main" xmlns="" w="9525">
                   <a:solidFill>
                     <a:srgbClr val="000000"/>
                   </a:solidFill>
@@ -4178,7 +4178,7 @@
             </a:ln>
             <a:extLst>
               <a:ext uri="{91240B29-F687-4f45-9708-019B960494DF}">
-                <a14:hiddenLine xmlns="" xmlns:a14="http://schemas.microsoft.com/office/drawing/2010/main" w="9525">
+                <a14:hiddenLine xmlns:a14="http://schemas.microsoft.com/office/drawing/2010/main" xmlns="" w="9525">
                   <a:solidFill>
                     <a:srgbClr val="000000"/>
                   </a:solidFill>
@@ -4240,7 +4240,7 @@
             </a:ln>
             <a:extLst>
               <a:ext uri="{91240B29-F687-4f45-9708-019B960494DF}">
-                <a14:hiddenLine xmlns="" xmlns:a14="http://schemas.microsoft.com/office/drawing/2010/main" w="9525">
+                <a14:hiddenLine xmlns:a14="http://schemas.microsoft.com/office/drawing/2010/main" xmlns="" w="9525">
                   <a:solidFill>
                     <a:srgbClr val="000000"/>
                   </a:solidFill>
@@ -4302,7 +4302,7 @@
             </a:ln>
             <a:extLst>
               <a:ext uri="{91240B29-F687-4f45-9708-019B960494DF}">
-                <a14:hiddenLine xmlns="" xmlns:a14="http://schemas.microsoft.com/office/drawing/2010/main" w="9525">
+                <a14:hiddenLine xmlns:a14="http://schemas.microsoft.com/office/drawing/2010/main" xmlns="" w="9525">
                   <a:solidFill>
                     <a:srgbClr val="000000"/>
                   </a:solidFill>
@@ -4392,7 +4392,7 @@
             </a:ln>
             <a:extLst>
               <a:ext uri="{91240B29-F687-4f45-9708-019B960494DF}">
-                <a14:hiddenLine xmlns="" xmlns:a14="http://schemas.microsoft.com/office/drawing/2010/main" w="9525">
+                <a14:hiddenLine xmlns:a14="http://schemas.microsoft.com/office/drawing/2010/main" xmlns="" w="9525">
                   <a:solidFill>
                     <a:srgbClr val="000000"/>
                   </a:solidFill>
@@ -4460,7 +4460,7 @@
             </a:ln>
             <a:extLst>
               <a:ext uri="{91240B29-F687-4f45-9708-019B960494DF}">
-                <a14:hiddenLine xmlns="" xmlns:a14="http://schemas.microsoft.com/office/drawing/2010/main" w="9525">
+                <a14:hiddenLine xmlns:a14="http://schemas.microsoft.com/office/drawing/2010/main" xmlns="" w="9525">
                   <a:solidFill>
                     <a:srgbClr val="000000"/>
                   </a:solidFill>
@@ -4522,7 +4522,7 @@
             </a:ln>
             <a:extLst>
               <a:ext uri="{91240B29-F687-4f45-9708-019B960494DF}">
-                <a14:hiddenLine xmlns="" xmlns:a14="http://schemas.microsoft.com/office/drawing/2010/main" w="9525">
+                <a14:hiddenLine xmlns:a14="http://schemas.microsoft.com/office/drawing/2010/main" xmlns="" w="9525">
                   <a:solidFill>
                     <a:srgbClr val="000000"/>
                   </a:solidFill>
@@ -4612,7 +4612,7 @@
             </a:ln>
             <a:extLst>
               <a:ext uri="{91240B29-F687-4f45-9708-019B960494DF}">
-                <a14:hiddenLine xmlns="" xmlns:a14="http://schemas.microsoft.com/office/drawing/2010/main" w="9525">
+                <a14:hiddenLine xmlns:a14="http://schemas.microsoft.com/office/drawing/2010/main" xmlns="" w="9525">
                   <a:solidFill>
                     <a:srgbClr val="000000"/>
                   </a:solidFill>
@@ -4674,7 +4674,7 @@
             </a:ln>
             <a:extLst>
               <a:ext uri="{91240B29-F687-4f45-9708-019B960494DF}">
-                <a14:hiddenLine xmlns="" xmlns:a14="http://schemas.microsoft.com/office/drawing/2010/main" w="9525">
+                <a14:hiddenLine xmlns:a14="http://schemas.microsoft.com/office/drawing/2010/main" xmlns="" w="9525">
                   <a:solidFill>
                     <a:srgbClr val="000000"/>
                   </a:solidFill>
@@ -4764,7 +4764,7 @@
             </a:ln>
             <a:extLst>
               <a:ext uri="{91240B29-F687-4f45-9708-019B960494DF}">
-                <a14:hiddenLine xmlns="" xmlns:a14="http://schemas.microsoft.com/office/drawing/2010/main" w="9525">
+                <a14:hiddenLine xmlns:a14="http://schemas.microsoft.com/office/drawing/2010/main" xmlns="" w="9525">
                   <a:solidFill>
                     <a:srgbClr val="000000"/>
                   </a:solidFill>
@@ -4826,7 +4826,7 @@
             </a:ln>
             <a:extLst>
               <a:ext uri="{91240B29-F687-4f45-9708-019B960494DF}">
-                <a14:hiddenLine xmlns="" xmlns:a14="http://schemas.microsoft.com/office/drawing/2010/main" w="9525">
+                <a14:hiddenLine xmlns:a14="http://schemas.microsoft.com/office/drawing/2010/main" xmlns="" w="9525">
                   <a:solidFill>
                     <a:srgbClr val="000000"/>
                   </a:solidFill>
@@ -4916,7 +4916,7 @@
             </a:ln>
             <a:extLst>
               <a:ext uri="{91240B29-F687-4f45-9708-019B960494DF}">
-                <a14:hiddenLine xmlns="" xmlns:a14="http://schemas.microsoft.com/office/drawing/2010/main" w="9525">
+                <a14:hiddenLine xmlns:a14="http://schemas.microsoft.com/office/drawing/2010/main" xmlns="" w="9525">
                   <a:solidFill>
                     <a:srgbClr val="000000"/>
                   </a:solidFill>
@@ -4950,7 +4950,7 @@
             </a:ln>
             <a:extLst>
               <a:ext uri="{91240B29-F687-4f45-9708-019B960494DF}">
-                <a14:hiddenLine xmlns="" xmlns:a14="http://schemas.microsoft.com/office/drawing/2010/main" w="9525">
+                <a14:hiddenLine xmlns:a14="http://schemas.microsoft.com/office/drawing/2010/main" xmlns="" w="9525">
                   <a:solidFill>
                     <a:srgbClr val="000000"/>
                   </a:solidFill>
@@ -5015,7 +5015,7 @@
             </a:ln>
             <a:extLst>
               <a:ext uri="{91240B29-F687-4f45-9708-019B960494DF}">
-                <a14:hiddenLine xmlns="" xmlns:a14="http://schemas.microsoft.com/office/drawing/2010/main" w="9525">
+                <a14:hiddenLine xmlns:a14="http://schemas.microsoft.com/office/drawing/2010/main" xmlns="" w="9525">
                   <a:solidFill>
                     <a:srgbClr val="000000"/>
                   </a:solidFill>
@@ -5105,7 +5105,7 @@
             </a:ln>
             <a:extLst>
               <a:ext uri="{91240B29-F687-4f45-9708-019B960494DF}">
-                <a14:hiddenLine xmlns="" xmlns:a14="http://schemas.microsoft.com/office/drawing/2010/main" w="9525">
+                <a14:hiddenLine xmlns:a14="http://schemas.microsoft.com/office/drawing/2010/main" xmlns="" w="9525">
                   <a:solidFill>
                     <a:srgbClr val="000000"/>
                   </a:solidFill>
@@ -5167,7 +5167,7 @@
             </a:ln>
             <a:extLst>
               <a:ext uri="{91240B29-F687-4f45-9708-019B960494DF}">
-                <a14:hiddenLine xmlns="" xmlns:a14="http://schemas.microsoft.com/office/drawing/2010/main" w="9525">
+                <a14:hiddenLine xmlns:a14="http://schemas.microsoft.com/office/drawing/2010/main" xmlns="" w="9525">
                   <a:solidFill>
                     <a:srgbClr val="000000"/>
                   </a:solidFill>
@@ -5257,7 +5257,7 @@
             </a:ln>
             <a:extLst>
               <a:ext uri="{91240B29-F687-4f45-9708-019B960494DF}">
-                <a14:hiddenLine xmlns="" xmlns:a14="http://schemas.microsoft.com/office/drawing/2010/main" w="9525">
+                <a14:hiddenLine xmlns:a14="http://schemas.microsoft.com/office/drawing/2010/main" xmlns="" w="9525">
                   <a:solidFill>
                     <a:srgbClr val="000000"/>
                   </a:solidFill>
@@ -5347,7 +5347,7 @@
             </a:ln>
             <a:extLst>
               <a:ext uri="{91240B29-F687-4f45-9708-019B960494DF}">
-                <a14:hiddenLine xmlns="" xmlns:a14="http://schemas.microsoft.com/office/drawing/2010/main" w="9525">
+                <a14:hiddenLine xmlns:a14="http://schemas.microsoft.com/office/drawing/2010/main" xmlns="" w="9525">
                   <a:solidFill>
                     <a:srgbClr val="000000"/>
                   </a:solidFill>
@@ -5412,7 +5412,7 @@
             </a:ln>
             <a:extLst>
               <a:ext uri="{91240B29-F687-4f45-9708-019B960494DF}">
-                <a14:hiddenLine xmlns="" xmlns:a14="http://schemas.microsoft.com/office/drawing/2010/main" w="9525">
+                <a14:hiddenLine xmlns:a14="http://schemas.microsoft.com/office/drawing/2010/main" xmlns="" w="9525">
                   <a:solidFill>
                     <a:srgbClr val="000000"/>
                   </a:solidFill>
@@ -5474,7 +5474,7 @@
             </a:ln>
             <a:extLst>
               <a:ext uri="{91240B29-F687-4f45-9708-019B960494DF}">
-                <a14:hiddenLine xmlns="" xmlns:a14="http://schemas.microsoft.com/office/drawing/2010/main" w="9525">
+                <a14:hiddenLine xmlns:a14="http://schemas.microsoft.com/office/drawing/2010/main" xmlns="" w="9525">
                   <a:solidFill>
                     <a:srgbClr val="000000"/>
                   </a:solidFill>
@@ -5564,7 +5564,7 @@
             </a:ln>
             <a:extLst>
               <a:ext uri="{91240B29-F687-4f45-9708-019B960494DF}">
-                <a14:hiddenLine xmlns="" xmlns:a14="http://schemas.microsoft.com/office/drawing/2010/main" w="9525">
+                <a14:hiddenLine xmlns:a14="http://schemas.microsoft.com/office/drawing/2010/main" xmlns="" w="9525">
                   <a:solidFill>
                     <a:srgbClr val="000000"/>
                   </a:solidFill>
@@ -5654,7 +5654,7 @@
             </a:ln>
             <a:extLst>
               <a:ext uri="{91240B29-F687-4f45-9708-019B960494DF}">
-                <a14:hiddenLine xmlns="" xmlns:a14="http://schemas.microsoft.com/office/drawing/2010/main" w="9525">
+                <a14:hiddenLine xmlns:a14="http://schemas.microsoft.com/office/drawing/2010/main" xmlns="" w="9525">
                   <a:solidFill>
                     <a:srgbClr val="000000"/>
                   </a:solidFill>
@@ -5716,7 +5716,7 @@
             </a:ln>
             <a:extLst>
               <a:ext uri="{91240B29-F687-4f45-9708-019B960494DF}">
-                <a14:hiddenLine xmlns="" xmlns:a14="http://schemas.microsoft.com/office/drawing/2010/main" w="9525">
+                <a14:hiddenLine xmlns:a14="http://schemas.microsoft.com/office/drawing/2010/main" xmlns="" w="9525">
                   <a:solidFill>
                     <a:srgbClr val="000000"/>
                   </a:solidFill>
@@ -5836,7 +5836,7 @@
             </a:ln>
             <a:extLst>
               <a:ext uri="{91240B29-F687-4f45-9708-019B960494DF}">
-                <a14:hiddenLine xmlns="" xmlns:a14="http://schemas.microsoft.com/office/drawing/2010/main" w="9525">
+                <a14:hiddenLine xmlns:a14="http://schemas.microsoft.com/office/drawing/2010/main" xmlns="" w="9525">
                   <a:solidFill>
                     <a:srgbClr val="000000"/>
                   </a:solidFill>
@@ -5904,7 +5904,7 @@
             </a:ln>
             <a:extLst>
               <a:ext uri="{91240B29-F687-4f45-9708-019B960494DF}">
-                <a14:hiddenLine xmlns="" xmlns:a14="http://schemas.microsoft.com/office/drawing/2010/main" w="9525">
+                <a14:hiddenLine xmlns:a14="http://schemas.microsoft.com/office/drawing/2010/main" xmlns="" w="9525">
                   <a:solidFill>
                     <a:srgbClr val="000000"/>
                   </a:solidFill>
@@ -5994,7 +5994,7 @@
             </a:ln>
             <a:extLst>
               <a:ext uri="{91240B29-F687-4f45-9708-019B960494DF}">
-                <a14:hiddenLine xmlns="" xmlns:a14="http://schemas.microsoft.com/office/drawing/2010/main" w="9525">
+                <a14:hiddenLine xmlns:a14="http://schemas.microsoft.com/office/drawing/2010/main" xmlns="" w="9525">
                   <a:solidFill>
                     <a:srgbClr val="000000"/>
                   </a:solidFill>
@@ -6135,7 +6135,7 @@
             <a:pPr rtl="0"/>
             <a:fld id="{264F16B5-F1A6-47D6-82D8-4E6AE1091C5F}" type="datetime1">
               <a:rPr lang="fr-FR" noProof="0" smtClean="0"/>
-              <a:t>31/03/2025</a:t>
+              <a:t>21/05/2025</a:t>
             </a:fld>
             <a:endParaRPr lang="fr-FR" noProof="0"/>
           </a:p>
@@ -6421,7 +6421,7 @@
             <a:pPr rtl="0"/>
             <a:fld id="{AD5D4855-F745-4DCA-AAF6-CEDB0417AE64}" type="datetime1">
               <a:rPr lang="fr-FR" noProof="0" smtClean="0"/>
-              <a:t>31/03/2025</a:t>
+              <a:t>21/05/2025</a:t>
             </a:fld>
             <a:endParaRPr lang="fr-FR" noProof="0"/>
           </a:p>
@@ -6624,7 +6624,7 @@
             <a:pPr rtl="0"/>
             <a:fld id="{A55ACC5D-E99B-4560-B26C-E4899F5F32B1}" type="datetime1">
               <a:rPr lang="fr-FR" noProof="0" smtClean="0"/>
-              <a:t>31/03/2025</a:t>
+              <a:t>21/05/2025</a:t>
             </a:fld>
             <a:endParaRPr lang="fr-FR" noProof="0"/>
           </a:p>
@@ -6894,7 +6894,7 @@
             <a:pPr rtl="0"/>
             <a:fld id="{0FCDD46B-C78E-4EB9-8B21-45FA3454C565}" type="datetime1">
               <a:rPr lang="fr-FR" noProof="0" smtClean="0"/>
-              <a:t>31/03/2025</a:t>
+              <a:t>21/05/2025</a:t>
             </a:fld>
             <a:endParaRPr lang="fr-FR" noProof="0"/>
           </a:p>
@@ -7335,7 +7335,7 @@
             <a:pPr rtl="0"/>
             <a:fld id="{DB468568-C694-4F16-9C28-07D21ED72247}" type="datetime1">
               <a:rPr lang="fr-FR" noProof="0" smtClean="0"/>
-              <a:t>31/03/2025</a:t>
+              <a:t>21/05/2025</a:t>
             </a:fld>
             <a:endParaRPr lang="fr-FR" noProof="0"/>
           </a:p>
@@ -7888,7 +7888,7 @@
             <a:pPr rtl="0"/>
             <a:fld id="{DC64952B-4BFC-4D12-87BC-C44B73C2666E}" type="datetime1">
               <a:rPr lang="fr-FR" noProof="0" smtClean="0"/>
-              <a:t>31/03/2025</a:t>
+              <a:t>21/05/2025</a:t>
             </a:fld>
             <a:endParaRPr lang="fr-FR" noProof="0"/>
           </a:p>
@@ -8615,7 +8615,7 @@
             <a:pPr rtl="0"/>
             <a:fld id="{A8563E1E-CEC0-45F9-B4BB-D3BB639D31CC}" type="datetime1">
               <a:rPr lang="fr-FR" noProof="0" smtClean="0"/>
-              <a:t>31/03/2025</a:t>
+              <a:t>21/05/2025</a:t>
             </a:fld>
             <a:endParaRPr lang="fr-FR" noProof="0"/>
           </a:p>
@@ -8792,7 +8792,7 @@
             <a:pPr rtl="0"/>
             <a:fld id="{69E5FDAD-DC46-4A55-8395-700894817737}" type="datetime1">
               <a:rPr lang="fr-FR" noProof="0" smtClean="0"/>
-              <a:t>31/03/2025</a:t>
+              <a:t>21/05/2025</a:t>
             </a:fld>
             <a:endParaRPr lang="fr-FR" noProof="0"/>
           </a:p>
@@ -8990,7 +8990,7 @@
             <a:pPr rtl="0"/>
             <a:fld id="{FC1B569E-C116-47DB-8D5F-C66996FA77BA}" type="datetime1">
               <a:rPr lang="fr-FR" noProof="0" smtClean="0"/>
-              <a:t>31/03/2025</a:t>
+              <a:t>21/05/2025</a:t>
             </a:fld>
             <a:endParaRPr lang="fr-FR" noProof="0"/>
           </a:p>
@@ -9178,7 +9178,7 @@
             <a:pPr rtl="0"/>
             <a:fld id="{6D4CC328-68D3-45A2-8CB8-BF4F1AF0B546}" type="datetime1">
               <a:rPr lang="fr-FR" noProof="0" smtClean="0"/>
-              <a:t>31/03/2025</a:t>
+              <a:t>21/05/2025</a:t>
             </a:fld>
             <a:endParaRPr lang="fr-FR" noProof="0"/>
           </a:p>
@@ -9446,7 +9446,7 @@
             <a:pPr rtl="0"/>
             <a:fld id="{3C412B91-54A1-4EEF-BE58-E593B32B11DA}" type="datetime1">
               <a:rPr lang="fr-FR" noProof="0" smtClean="0"/>
-              <a:t>31/03/2025</a:t>
+              <a:t>21/05/2025</a:t>
             </a:fld>
             <a:endParaRPr lang="fr-FR" noProof="0"/>
           </a:p>
@@ -9685,7 +9685,7 @@
             <a:pPr rtl="0"/>
             <a:fld id="{0E998F40-3E30-48E5-A0CC-6B363B93B5A3}" type="datetime1">
               <a:rPr lang="fr-FR" noProof="0" smtClean="0"/>
-              <a:t>31/03/2025</a:t>
+              <a:t>21/05/2025</a:t>
             </a:fld>
             <a:endParaRPr lang="fr-FR" noProof="0"/>
           </a:p>
@@ -10084,7 +10084,7 @@
             <a:pPr rtl="0"/>
             <a:fld id="{EF80F7E9-BADA-4CC3-AE39-693CD959A23B}" type="datetime1">
               <a:rPr lang="fr-FR" noProof="0" smtClean="0"/>
-              <a:t>31/03/2025</a:t>
+              <a:t>21/05/2025</a:t>
             </a:fld>
             <a:endParaRPr lang="fr-FR" noProof="0"/>
           </a:p>
@@ -10220,7 +10220,7 @@
             <a:pPr rtl="0"/>
             <a:fld id="{0DD946E0-EA30-4D0D-A5CA-C16F763B1A80}" type="datetime1">
               <a:rPr lang="fr-FR" noProof="0" smtClean="0"/>
-              <a:t>31/03/2025</a:t>
+              <a:t>21/05/2025</a:t>
             </a:fld>
             <a:endParaRPr lang="fr-FR" noProof="0"/>
           </a:p>
@@ -10322,7 +10322,7 @@
             <a:pPr rtl="0"/>
             <a:fld id="{1DB27B8B-8427-4CE6-8CA7-CAF9B9708655}" type="datetime1">
               <a:rPr lang="fr-FR" noProof="0" smtClean="0"/>
-              <a:t>31/03/2025</a:t>
+              <a:t>21/05/2025</a:t>
             </a:fld>
             <a:endParaRPr lang="fr-FR" noProof="0"/>
           </a:p>
@@ -10590,7 +10590,7 @@
             <a:pPr rtl="0"/>
             <a:fld id="{3C9858EE-FB3F-404B-8D4E-B36FAE548158}" type="datetime1">
               <a:rPr lang="fr-FR" noProof="0" smtClean="0"/>
-              <a:t>31/03/2025</a:t>
+              <a:t>21/05/2025</a:t>
             </a:fld>
             <a:endParaRPr lang="fr-FR" noProof="0"/>
           </a:p>
@@ -10888,7 +10888,7 @@
             <a:pPr rtl="0"/>
             <a:fld id="{475697E1-9545-4338-BAB9-6202B0B50C39}" type="datetime1">
               <a:rPr lang="fr-FR" noProof="0" smtClean="0"/>
-              <a:t>31/03/2025</a:t>
+              <a:t>21/05/2025</a:t>
             </a:fld>
             <a:endParaRPr lang="fr-FR" noProof="0"/>
           </a:p>
@@ -11022,7 +11022,7 @@
           <a:noFill/>
           <a:extLst>
             <a:ext uri="{909E8E84-426E-40dd-AFC4-6F175D3DCCD1}">
-              <a14:hiddenFill xmlns="" xmlns:a14="http://schemas.microsoft.com/office/drawing/2010/main">
+              <a14:hiddenFill xmlns:a14="http://schemas.microsoft.com/office/drawing/2010/main" xmlns="">
                 <a:solidFill>
                   <a:srgbClr val="FFFFFF"/>
                 </a:solidFill>
@@ -11096,7 +11096,7 @@
               </a:ln>
               <a:extLst>
                 <a:ext uri="{91240B29-F687-4f45-9708-019B960494DF}">
-                  <a14:hiddenLine xmlns="" xmlns:a14="http://schemas.microsoft.com/office/drawing/2010/main" w="9525">
+                  <a14:hiddenLine xmlns:a14="http://schemas.microsoft.com/office/drawing/2010/main" xmlns="" w="9525">
                     <a:solidFill>
                       <a:srgbClr val="000000"/>
                     </a:solidFill>
@@ -11186,7 +11186,7 @@
               </a:ln>
               <a:extLst>
                 <a:ext uri="{91240B29-F687-4f45-9708-019B960494DF}">
-                  <a14:hiddenLine xmlns="" xmlns:a14="http://schemas.microsoft.com/office/drawing/2010/main" w="9525">
+                  <a14:hiddenLine xmlns:a14="http://schemas.microsoft.com/office/drawing/2010/main" xmlns="" w="9525">
                     <a:solidFill>
                       <a:srgbClr val="000000"/>
                     </a:solidFill>
@@ -11276,7 +11276,7 @@
               </a:ln>
               <a:extLst>
                 <a:ext uri="{91240B29-F687-4f45-9708-019B960494DF}">
-                  <a14:hiddenLine xmlns="" xmlns:a14="http://schemas.microsoft.com/office/drawing/2010/main" w="9525">
+                  <a14:hiddenLine xmlns:a14="http://schemas.microsoft.com/office/drawing/2010/main" xmlns="" w="9525">
                     <a:solidFill>
                       <a:srgbClr val="000000"/>
                     </a:solidFill>
@@ -11338,7 +11338,7 @@
               </a:ln>
               <a:extLst>
                 <a:ext uri="{91240B29-F687-4f45-9708-019B960494DF}">
-                  <a14:hiddenLine xmlns="" xmlns:a14="http://schemas.microsoft.com/office/drawing/2010/main" w="9525">
+                  <a14:hiddenLine xmlns:a14="http://schemas.microsoft.com/office/drawing/2010/main" xmlns="" w="9525">
                     <a:solidFill>
                       <a:srgbClr val="000000"/>
                     </a:solidFill>
@@ -11428,7 +11428,7 @@
               </a:ln>
               <a:extLst>
                 <a:ext uri="{91240B29-F687-4f45-9708-019B960494DF}">
-                  <a14:hiddenLine xmlns="" xmlns:a14="http://schemas.microsoft.com/office/drawing/2010/main" w="9525">
+                  <a14:hiddenLine xmlns:a14="http://schemas.microsoft.com/office/drawing/2010/main" xmlns="" w="9525">
                     <a:solidFill>
                       <a:srgbClr val="000000"/>
                     </a:solidFill>
@@ -11490,7 +11490,7 @@
               </a:ln>
               <a:extLst>
                 <a:ext uri="{91240B29-F687-4f45-9708-019B960494DF}">
-                  <a14:hiddenLine xmlns="" xmlns:a14="http://schemas.microsoft.com/office/drawing/2010/main" w="9525">
+                  <a14:hiddenLine xmlns:a14="http://schemas.microsoft.com/office/drawing/2010/main" xmlns="" w="9525">
                     <a:solidFill>
                       <a:srgbClr val="000000"/>
                     </a:solidFill>
@@ -11552,7 +11552,7 @@
               </a:ln>
               <a:extLst>
                 <a:ext uri="{91240B29-F687-4f45-9708-019B960494DF}">
-                  <a14:hiddenLine xmlns="" xmlns:a14="http://schemas.microsoft.com/office/drawing/2010/main" w="9525">
+                  <a14:hiddenLine xmlns:a14="http://schemas.microsoft.com/office/drawing/2010/main" xmlns="" w="9525">
                     <a:solidFill>
                       <a:srgbClr val="000000"/>
                     </a:solidFill>
@@ -11642,7 +11642,7 @@
               </a:ln>
               <a:extLst>
                 <a:ext uri="{91240B29-F687-4f45-9708-019B960494DF}">
-                  <a14:hiddenLine xmlns="" xmlns:a14="http://schemas.microsoft.com/office/drawing/2010/main" w="9525">
+                  <a14:hiddenLine xmlns:a14="http://schemas.microsoft.com/office/drawing/2010/main" xmlns="" w="9525">
                     <a:solidFill>
                       <a:srgbClr val="000000"/>
                     </a:solidFill>
@@ -11732,7 +11732,7 @@
               </a:ln>
               <a:extLst>
                 <a:ext uri="{91240B29-F687-4f45-9708-019B960494DF}">
-                  <a14:hiddenLine xmlns="" xmlns:a14="http://schemas.microsoft.com/office/drawing/2010/main" w="9525">
+                  <a14:hiddenLine xmlns:a14="http://schemas.microsoft.com/office/drawing/2010/main" xmlns="" w="9525">
                     <a:solidFill>
                       <a:srgbClr val="000000"/>
                     </a:solidFill>
@@ -11794,7 +11794,7 @@
               </a:ln>
               <a:extLst>
                 <a:ext uri="{91240B29-F687-4f45-9708-019B960494DF}">
-                  <a14:hiddenLine xmlns="" xmlns:a14="http://schemas.microsoft.com/office/drawing/2010/main" w="9525">
+                  <a14:hiddenLine xmlns:a14="http://schemas.microsoft.com/office/drawing/2010/main" xmlns="" w="9525">
                     <a:solidFill>
                       <a:srgbClr val="000000"/>
                     </a:solidFill>
@@ -11904,7 +11904,7 @@
               </a:ln>
               <a:extLst>
                 <a:ext uri="{91240B29-F687-4f45-9708-019B960494DF}">
-                  <a14:hiddenLine xmlns="" xmlns:a14="http://schemas.microsoft.com/office/drawing/2010/main" w="9525">
+                  <a14:hiddenLine xmlns:a14="http://schemas.microsoft.com/office/drawing/2010/main" xmlns="" w="9525">
                     <a:solidFill>
                       <a:srgbClr val="000000"/>
                     </a:solidFill>
@@ -11988,7 +11988,7 @@
               </a:ln>
               <a:extLst>
                 <a:ext uri="{91240B29-F687-4f45-9708-019B960494DF}">
-                  <a14:hiddenLine xmlns="" xmlns:a14="http://schemas.microsoft.com/office/drawing/2010/main" w="9525">
+                  <a14:hiddenLine xmlns:a14="http://schemas.microsoft.com/office/drawing/2010/main" xmlns="" w="9525">
                     <a:solidFill>
                       <a:srgbClr val="000000"/>
                     </a:solidFill>
@@ -12050,7 +12050,7 @@
               </a:ln>
               <a:extLst>
                 <a:ext uri="{91240B29-F687-4f45-9708-019B960494DF}">
-                  <a14:hiddenLine xmlns="" xmlns:a14="http://schemas.microsoft.com/office/drawing/2010/main" w="9525">
+                  <a14:hiddenLine xmlns:a14="http://schemas.microsoft.com/office/drawing/2010/main" xmlns="" w="9525">
                     <a:solidFill>
                       <a:srgbClr val="000000"/>
                     </a:solidFill>
@@ -12112,7 +12112,7 @@
               </a:ln>
               <a:extLst>
                 <a:ext uri="{91240B29-F687-4f45-9708-019B960494DF}">
-                  <a14:hiddenLine xmlns="" xmlns:a14="http://schemas.microsoft.com/office/drawing/2010/main" w="9525">
+                  <a14:hiddenLine xmlns:a14="http://schemas.microsoft.com/office/drawing/2010/main" xmlns="" w="9525">
                     <a:solidFill>
                       <a:srgbClr val="000000"/>
                     </a:solidFill>
@@ -12202,7 +12202,7 @@
               </a:ln>
               <a:extLst>
                 <a:ext uri="{91240B29-F687-4f45-9708-019B960494DF}">
-                  <a14:hiddenLine xmlns="" xmlns:a14="http://schemas.microsoft.com/office/drawing/2010/main" w="9525">
+                  <a14:hiddenLine xmlns:a14="http://schemas.microsoft.com/office/drawing/2010/main" xmlns="" w="9525">
                     <a:solidFill>
                       <a:srgbClr val="000000"/>
                     </a:solidFill>
@@ -12236,7 +12236,7 @@
               </a:ln>
               <a:extLst>
                 <a:ext uri="{91240B29-F687-4f45-9708-019B960494DF}">
-                  <a14:hiddenLine xmlns="" xmlns:a14="http://schemas.microsoft.com/office/drawing/2010/main" w="9525">
+                  <a14:hiddenLine xmlns:a14="http://schemas.microsoft.com/office/drawing/2010/main" xmlns="" w="9525">
                     <a:solidFill>
                       <a:srgbClr val="000000"/>
                     </a:solidFill>
@@ -12301,7 +12301,7 @@
               </a:ln>
               <a:extLst>
                 <a:ext uri="{91240B29-F687-4f45-9708-019B960494DF}">
-                  <a14:hiddenLine xmlns="" xmlns:a14="http://schemas.microsoft.com/office/drawing/2010/main" w="9525">
+                  <a14:hiddenLine xmlns:a14="http://schemas.microsoft.com/office/drawing/2010/main" xmlns="" w="9525">
                     <a:solidFill>
                       <a:srgbClr val="000000"/>
                     </a:solidFill>
@@ -12391,7 +12391,7 @@
               </a:ln>
               <a:extLst>
                 <a:ext uri="{91240B29-F687-4f45-9708-019B960494DF}">
-                  <a14:hiddenLine xmlns="" xmlns:a14="http://schemas.microsoft.com/office/drawing/2010/main" w="9525">
+                  <a14:hiddenLine xmlns:a14="http://schemas.microsoft.com/office/drawing/2010/main" xmlns="" w="9525">
                     <a:solidFill>
                       <a:srgbClr val="000000"/>
                     </a:solidFill>
@@ -12453,7 +12453,7 @@
               </a:ln>
               <a:extLst>
                 <a:ext uri="{91240B29-F687-4f45-9708-019B960494DF}">
-                  <a14:hiddenLine xmlns="" xmlns:a14="http://schemas.microsoft.com/office/drawing/2010/main" w="9525">
+                  <a14:hiddenLine xmlns:a14="http://schemas.microsoft.com/office/drawing/2010/main" xmlns="" w="9525">
                     <a:solidFill>
                       <a:srgbClr val="000000"/>
                     </a:solidFill>
@@ -12543,7 +12543,7 @@
               </a:ln>
               <a:extLst>
                 <a:ext uri="{91240B29-F687-4f45-9708-019B960494DF}">
-                  <a14:hiddenLine xmlns="" xmlns:a14="http://schemas.microsoft.com/office/drawing/2010/main" w="9525">
+                  <a14:hiddenLine xmlns:a14="http://schemas.microsoft.com/office/drawing/2010/main" xmlns="" w="9525">
                     <a:solidFill>
                       <a:srgbClr val="000000"/>
                     </a:solidFill>
@@ -12608,7 +12608,7 @@
               </a:ln>
               <a:extLst>
                 <a:ext uri="{91240B29-F687-4f45-9708-019B960494DF}">
-                  <a14:hiddenLine xmlns="" xmlns:a14="http://schemas.microsoft.com/office/drawing/2010/main" w="9525">
+                  <a14:hiddenLine xmlns:a14="http://schemas.microsoft.com/office/drawing/2010/main" xmlns="" w="9525">
                     <a:solidFill>
                       <a:srgbClr val="000000"/>
                     </a:solidFill>
@@ -12670,7 +12670,7 @@
               </a:ln>
               <a:extLst>
                 <a:ext uri="{91240B29-F687-4f45-9708-019B960494DF}">
-                  <a14:hiddenLine xmlns="" xmlns:a14="http://schemas.microsoft.com/office/drawing/2010/main" w="9525">
+                  <a14:hiddenLine xmlns:a14="http://schemas.microsoft.com/office/drawing/2010/main" xmlns="" w="9525">
                     <a:solidFill>
                       <a:srgbClr val="000000"/>
                     </a:solidFill>
@@ -12760,7 +12760,7 @@
               </a:ln>
               <a:extLst>
                 <a:ext uri="{91240B29-F687-4f45-9708-019B960494DF}">
-                  <a14:hiddenLine xmlns="" xmlns:a14="http://schemas.microsoft.com/office/drawing/2010/main" w="9525">
+                  <a14:hiddenLine xmlns:a14="http://schemas.microsoft.com/office/drawing/2010/main" xmlns="" w="9525">
                     <a:solidFill>
                       <a:srgbClr val="000000"/>
                     </a:solidFill>
@@ -12850,7 +12850,7 @@
               </a:ln>
               <a:extLst>
                 <a:ext uri="{91240B29-F687-4f45-9708-019B960494DF}">
-                  <a14:hiddenLine xmlns="" xmlns:a14="http://schemas.microsoft.com/office/drawing/2010/main" w="9525">
+                  <a14:hiddenLine xmlns:a14="http://schemas.microsoft.com/office/drawing/2010/main" xmlns="" w="9525">
                     <a:solidFill>
                       <a:srgbClr val="000000"/>
                     </a:solidFill>
@@ -12915,7 +12915,7 @@
               </a:ln>
               <a:extLst>
                 <a:ext uri="{91240B29-F687-4f45-9708-019B960494DF}">
-                  <a14:hiddenLine xmlns="" xmlns:a14="http://schemas.microsoft.com/office/drawing/2010/main" w="9525">
+                  <a14:hiddenLine xmlns:a14="http://schemas.microsoft.com/office/drawing/2010/main" xmlns="" w="9525">
                     <a:solidFill>
                       <a:srgbClr val="000000"/>
                     </a:solidFill>
@@ -13035,7 +13035,7 @@
               </a:ln>
               <a:extLst>
                 <a:ext uri="{91240B29-F687-4f45-9708-019B960494DF}">
-                  <a14:hiddenLine xmlns="" xmlns:a14="http://schemas.microsoft.com/office/drawing/2010/main" w="9525">
+                  <a14:hiddenLine xmlns:a14="http://schemas.microsoft.com/office/drawing/2010/main" xmlns="" w="9525">
                     <a:solidFill>
                       <a:srgbClr val="000000"/>
                     </a:solidFill>
@@ -13133,7 +13133,7 @@
               </a:ln>
               <a:extLst>
                 <a:ext uri="{91240B29-F687-4f45-9708-019B960494DF}">
-                  <a14:hiddenLine xmlns="" xmlns:a14="http://schemas.microsoft.com/office/drawing/2010/main" w="9525">
+                  <a14:hiddenLine xmlns:a14="http://schemas.microsoft.com/office/drawing/2010/main" xmlns="" w="9525">
                     <a:solidFill>
                       <a:srgbClr val="000000"/>
                     </a:solidFill>
@@ -13248,7 +13248,7 @@
               </a:ln>
               <a:extLst>
                 <a:ext uri="{91240B29-F687-4f45-9708-019B960494DF}">
-                  <a14:hiddenLine xmlns="" xmlns:a14="http://schemas.microsoft.com/office/drawing/2010/main" w="9525">
+                  <a14:hiddenLine xmlns:a14="http://schemas.microsoft.com/office/drawing/2010/main" xmlns="" w="9525">
                     <a:solidFill>
                       <a:srgbClr val="000000"/>
                     </a:solidFill>
@@ -13338,7 +13338,7 @@
               </a:ln>
               <a:extLst>
                 <a:ext uri="{91240B29-F687-4f45-9708-019B960494DF}">
-                  <a14:hiddenLine xmlns="" xmlns:a14="http://schemas.microsoft.com/office/drawing/2010/main" w="9525">
+                  <a14:hiddenLine xmlns:a14="http://schemas.microsoft.com/office/drawing/2010/main" xmlns="" w="9525">
                     <a:solidFill>
                       <a:srgbClr val="000000"/>
                     </a:solidFill>
@@ -13403,7 +13403,7 @@
               </a:ln>
               <a:extLst>
                 <a:ext uri="{91240B29-F687-4f45-9708-019B960494DF}">
-                  <a14:hiddenLine xmlns="" xmlns:a14="http://schemas.microsoft.com/office/drawing/2010/main" w="9525">
+                  <a14:hiddenLine xmlns:a14="http://schemas.microsoft.com/office/drawing/2010/main" xmlns="" w="9525">
                     <a:solidFill>
                       <a:srgbClr val="000000"/>
                     </a:solidFill>
@@ -13493,7 +13493,7 @@
               </a:ln>
               <a:extLst>
                 <a:ext uri="{91240B29-F687-4f45-9708-019B960494DF}">
-                  <a14:hiddenLine xmlns="" xmlns:a14="http://schemas.microsoft.com/office/drawing/2010/main" w="9525">
+                  <a14:hiddenLine xmlns:a14="http://schemas.microsoft.com/office/drawing/2010/main" xmlns="" w="9525">
                     <a:solidFill>
                       <a:srgbClr val="000000"/>
                     </a:solidFill>
@@ -13561,7 +13561,7 @@
               </a:ln>
               <a:extLst>
                 <a:ext uri="{91240B29-F687-4f45-9708-019B960494DF}">
-                  <a14:hiddenLine xmlns="" xmlns:a14="http://schemas.microsoft.com/office/drawing/2010/main" w="9525">
+                  <a14:hiddenLine xmlns:a14="http://schemas.microsoft.com/office/drawing/2010/main" xmlns="" w="9525">
                     <a:solidFill>
                       <a:srgbClr val="000000"/>
                     </a:solidFill>
@@ -13651,7 +13651,7 @@
               </a:ln>
               <a:extLst>
                 <a:ext uri="{91240B29-F687-4f45-9708-019B960494DF}">
-                  <a14:hiddenLine xmlns="" xmlns:a14="http://schemas.microsoft.com/office/drawing/2010/main" w="9525">
+                  <a14:hiddenLine xmlns:a14="http://schemas.microsoft.com/office/drawing/2010/main" xmlns="" w="9525">
                     <a:solidFill>
                       <a:srgbClr val="000000"/>
                     </a:solidFill>
@@ -13719,7 +13719,7 @@
               </a:ln>
               <a:extLst>
                 <a:ext uri="{91240B29-F687-4f45-9708-019B960494DF}">
-                  <a14:hiddenLine xmlns="" xmlns:a14="http://schemas.microsoft.com/office/drawing/2010/main" w="9525">
+                  <a14:hiddenLine xmlns:a14="http://schemas.microsoft.com/office/drawing/2010/main" xmlns="" w="9525">
                     <a:solidFill>
                       <a:srgbClr val="000000"/>
                     </a:solidFill>
@@ -13809,7 +13809,7 @@
               </a:ln>
               <a:extLst>
                 <a:ext uri="{91240B29-F687-4f45-9708-019B960494DF}">
-                  <a14:hiddenLine xmlns="" xmlns:a14="http://schemas.microsoft.com/office/drawing/2010/main" w="9525">
+                  <a14:hiddenLine xmlns:a14="http://schemas.microsoft.com/office/drawing/2010/main" xmlns="" w="9525">
                     <a:solidFill>
                       <a:srgbClr val="000000"/>
                     </a:solidFill>
@@ -13843,7 +13843,7 @@
               </a:ln>
               <a:extLst>
                 <a:ext uri="{91240B29-F687-4f45-9708-019B960494DF}">
-                  <a14:hiddenLine xmlns="" xmlns:a14="http://schemas.microsoft.com/office/drawing/2010/main" w="9525">
+                  <a14:hiddenLine xmlns:a14="http://schemas.microsoft.com/office/drawing/2010/main" xmlns="" w="9525">
                     <a:solidFill>
                       <a:srgbClr val="000000"/>
                     </a:solidFill>
@@ -13984,7 +13984,7 @@
             <a:pPr rtl="0"/>
             <a:fld id="{54C4D962-C310-447C-A274-CEA9C20A2399}" type="datetime1">
               <a:rPr lang="fr-FR" noProof="0" smtClean="0"/>
-              <a:t>31/03/2025</a:t>
+              <a:t>21/05/2025</a:t>
             </a:fld>
             <a:endParaRPr lang="fr-FR" noProof="0"/>
           </a:p>
@@ -14465,7 +14465,7 @@
             <a:pPr algn="ctr"/>
             <a:r>
               <a:rPr lang="fr-FR" sz="8000" dirty="0"/>
-              <a:t>Projet top secret</a:t>
+              <a:t>Gîte de Pim</a:t>
             </a:r>
           </a:p>
         </p:txBody>
@@ -16927,6 +16927,27 @@
 </file>
 
 <file path=customXml/item1.xml><?xml version="1.0" encoding="utf-8"?>
+<p:properties xmlns:p="http://schemas.microsoft.com/office/2006/metadata/properties" xmlns:xsi="http://www.w3.org/2001/XMLSchema-instance" xmlns:pc="http://schemas.microsoft.com/office/infopath/2007/PartnerControls">
+  <documentManagement>
+    <lcf76f155ced4ddcb4097134ff3c332f xmlns="0ac14382-e8c0-40dc-b239-43a01f655d43">
+      <Terms xmlns="http://schemas.microsoft.com/office/infopath/2007/PartnerControls"/>
+    </lcf76f155ced4ddcb4097134ff3c332f>
+    <ReferenceId xmlns="0ac14382-e8c0-40dc-b239-43a01f655d43" xsi:nil="true"/>
+    <TaxCatchAll xmlns="e1fd0995-ed50-4746-8427-8b4e7041d9e0" xsi:nil="true"/>
+  </documentManagement>
+</p:properties>
+</file>
+
+<file path=customXml/item2.xml><?xml version="1.0" encoding="utf-8"?>
+<?mso-contentType ?>
+<FormTemplates xmlns="http://schemas.microsoft.com/sharepoint/v3/contenttype/forms">
+  <Display>DocumentLibraryForm</Display>
+  <Edit>DocumentLibraryForm</Edit>
+  <New>DocumentLibraryForm</New>
+</FormTemplates>
+</file>
+
+<file path=customXml/item3.xml><?xml version="1.0" encoding="utf-8"?>
 <ct:contentTypeSchema xmlns:ct="http://schemas.microsoft.com/office/2006/metadata/contentType" xmlns:ma="http://schemas.microsoft.com/office/2006/metadata/properties/metaAttributes" ct:_="" ma:_="" ma:contentTypeName="Document" ma:contentTypeID="0x01010014695CBE853F7D428E88279B6D9D6563" ma:contentTypeVersion="12" ma:contentTypeDescription="Crée un document." ma:contentTypeScope="" ma:versionID="6a6cdfc2a97f65f80b6ae673c676a332">
   <xsd:schema xmlns:xsd="http://www.w3.org/2001/XMLSchema" xmlns:xs="http://www.w3.org/2001/XMLSchema" xmlns:p="http://schemas.microsoft.com/office/2006/metadata/properties" xmlns:ns2="0ac14382-e8c0-40dc-b239-43a01f655d43" xmlns:ns3="e1fd0995-ed50-4746-8427-8b4e7041d9e0" targetNamespace="http://schemas.microsoft.com/office/2006/metadata/properties" ma:root="true" ma:fieldsID="b0479d19c97a543bfa1684ae5744553d" ns2:_="" ns3:_="">
     <xsd:import namespace="0ac14382-e8c0-40dc-b239-43a01f655d43"/>
@@ -17127,35 +17148,40 @@
 </ct:contentTypeSchema>
 </file>
 
-<file path=customXml/item2.xml><?xml version="1.0" encoding="utf-8"?>
-<?mso-contentType ?>
-<FormTemplates xmlns="http://schemas.microsoft.com/sharepoint/v3/contenttype/forms">
-  <Display>DocumentLibraryForm</Display>
-  <Edit>DocumentLibraryForm</Edit>
-  <New>DocumentLibraryForm</New>
-</FormTemplates>
-</file>
-
-<file path=customXml/item3.xml><?xml version="1.0" encoding="utf-8"?>
-<p:properties xmlns:p="http://schemas.microsoft.com/office/2006/metadata/properties" xmlns:xsi="http://www.w3.org/2001/XMLSchema-instance" xmlns:pc="http://schemas.microsoft.com/office/infopath/2007/PartnerControls">
-  <documentManagement>
-    <lcf76f155ced4ddcb4097134ff3c332f xmlns="0ac14382-e8c0-40dc-b239-43a01f655d43">
-      <Terms xmlns="http://schemas.microsoft.com/office/infopath/2007/PartnerControls"/>
-    </lcf76f155ced4ddcb4097134ff3c332f>
-    <ReferenceId xmlns="0ac14382-e8c0-40dc-b239-43a01f655d43" xsi:nil="true"/>
-    <TaxCatchAll xmlns="e1fd0995-ed50-4746-8427-8b4e7041d9e0" xsi:nil="true"/>
-  </documentManagement>
-</p:properties>
-</file>
-
 <file path=customXml/itemProps1.xml><?xml version="1.0" encoding="utf-8"?>
-<ds:datastoreItem xmlns:ds="http://schemas.openxmlformats.org/officeDocument/2006/customXml" ds:itemID="{6A985A4F-15E5-4C6C-B87B-23FBC6B83C3E}"/>
+<ds:datastoreItem xmlns:ds="http://schemas.openxmlformats.org/officeDocument/2006/customXml" ds:itemID="{123763D7-D420-4F2C-A950-F461019833E5}">
+  <ds:schemaRefs>
+    <ds:schemaRef ds:uri="http://schemas.microsoft.com/office/2006/metadata/properties"/>
+    <ds:schemaRef ds:uri="http://schemas.microsoft.com/office/infopath/2007/PartnerControls"/>
+    <ds:schemaRef ds:uri="0ac14382-e8c0-40dc-b239-43a01f655d43"/>
+    <ds:schemaRef ds:uri="e1fd0995-ed50-4746-8427-8b4e7041d9e0"/>
+  </ds:schemaRefs>
+</ds:datastoreItem>
 </file>
 
 <file path=customXml/itemProps2.xml><?xml version="1.0" encoding="utf-8"?>
-<ds:datastoreItem xmlns:ds="http://schemas.openxmlformats.org/officeDocument/2006/customXml" ds:itemID="{9AD35533-5C17-4766-A184-0BB4076CEAD4}"/>
+<ds:datastoreItem xmlns:ds="http://schemas.openxmlformats.org/officeDocument/2006/customXml" ds:itemID="{9AD35533-5C17-4766-A184-0BB4076CEAD4}">
+  <ds:schemaRefs>
+    <ds:schemaRef ds:uri="http://schemas.microsoft.com/sharepoint/v3/contenttype/forms"/>
+  </ds:schemaRefs>
+</ds:datastoreItem>
 </file>
 
 <file path=customXml/itemProps3.xml><?xml version="1.0" encoding="utf-8"?>
-<ds:datastoreItem xmlns:ds="http://schemas.openxmlformats.org/officeDocument/2006/customXml" ds:itemID="{123763D7-D420-4F2C-A950-F461019833E5}"/>
+<ds:datastoreItem xmlns:ds="http://schemas.openxmlformats.org/officeDocument/2006/customXml" ds:itemID="{6A985A4F-15E5-4C6C-B87B-23FBC6B83C3E}">
+  <ds:schemaRefs>
+    <ds:schemaRef ds:uri="http://schemas.microsoft.com/office/2006/metadata/contentType"/>
+    <ds:schemaRef ds:uri="http://schemas.microsoft.com/office/2006/metadata/properties/metaAttributes"/>
+    <ds:schemaRef ds:uri="http://www.w3.org/2001/XMLSchema"/>
+    <ds:schemaRef ds:uri="http://schemas.microsoft.com/office/2006/metadata/properties"/>
+    <ds:schemaRef ds:uri="0ac14382-e8c0-40dc-b239-43a01f655d43"/>
+    <ds:schemaRef ds:uri="e1fd0995-ed50-4746-8427-8b4e7041d9e0"/>
+    <ds:schemaRef ds:uri="http://schemas.microsoft.com/office/2006/documentManagement/types"/>
+    <ds:schemaRef ds:uri="http://schemas.microsoft.com/office/infopath/2007/PartnerControls"/>
+    <ds:schemaRef ds:uri="http://schemas.openxmlformats.org/package/2006/metadata/core-properties"/>
+    <ds:schemaRef ds:uri="http://purl.org/dc/elements/1.1/"/>
+    <ds:schemaRef ds:uri="http://purl.org/dc/terms/"/>
+    <ds:schemaRef ds:uri="http://schemas.microsoft.com/internal/obd"/>
+  </ds:schemaRefs>
+</ds:datastoreItem>
 </file>